--- a/docs/Development_View_AS_v1.0 .pptx
+++ b/docs/Development_View_AS_v1.0 .pptx
@@ -302,7 +302,7 @@
           <a:p>
             <a:fld id="{9889599D-768E-44CA-A8D1-1C0E1B22EB09}" type="datetimeFigureOut">
               <a:rPr lang="en-US" smtClean="0"/>
-              <a:t>10/18/2021</a:t>
+              <a:t>10/19/2021</a:t>
             </a:fld>
             <a:endParaRPr lang="en-US"/>
           </a:p>
@@ -472,7 +472,7 @@
           <a:p>
             <a:fld id="{9889599D-768E-44CA-A8D1-1C0E1B22EB09}" type="datetimeFigureOut">
               <a:rPr lang="en-US" smtClean="0"/>
-              <a:t>10/18/2021</a:t>
+              <a:t>10/19/2021</a:t>
             </a:fld>
             <a:endParaRPr lang="en-US"/>
           </a:p>
@@ -652,7 +652,7 @@
           <a:p>
             <a:fld id="{9889599D-768E-44CA-A8D1-1C0E1B22EB09}" type="datetimeFigureOut">
               <a:rPr lang="en-US" smtClean="0"/>
-              <a:t>10/18/2021</a:t>
+              <a:t>10/19/2021</a:t>
             </a:fld>
             <a:endParaRPr lang="en-US"/>
           </a:p>
@@ -822,7 +822,7 @@
           <a:p>
             <a:fld id="{9889599D-768E-44CA-A8D1-1C0E1B22EB09}" type="datetimeFigureOut">
               <a:rPr lang="en-US" smtClean="0"/>
-              <a:t>10/18/2021</a:t>
+              <a:t>10/19/2021</a:t>
             </a:fld>
             <a:endParaRPr lang="en-US"/>
           </a:p>
@@ -1068,7 +1068,7 @@
           <a:p>
             <a:fld id="{9889599D-768E-44CA-A8D1-1C0E1B22EB09}" type="datetimeFigureOut">
               <a:rPr lang="en-US" smtClean="0"/>
-              <a:t>10/18/2021</a:t>
+              <a:t>10/19/2021</a:t>
             </a:fld>
             <a:endParaRPr lang="en-US"/>
           </a:p>
@@ -1356,7 +1356,7 @@
           <a:p>
             <a:fld id="{9889599D-768E-44CA-A8D1-1C0E1B22EB09}" type="datetimeFigureOut">
               <a:rPr lang="en-US" smtClean="0"/>
-              <a:t>10/18/2021</a:t>
+              <a:t>10/19/2021</a:t>
             </a:fld>
             <a:endParaRPr lang="en-US"/>
           </a:p>
@@ -1778,7 +1778,7 @@
           <a:p>
             <a:fld id="{9889599D-768E-44CA-A8D1-1C0E1B22EB09}" type="datetimeFigureOut">
               <a:rPr lang="en-US" smtClean="0"/>
-              <a:t>10/18/2021</a:t>
+              <a:t>10/19/2021</a:t>
             </a:fld>
             <a:endParaRPr lang="en-US"/>
           </a:p>
@@ -1896,7 +1896,7 @@
           <a:p>
             <a:fld id="{9889599D-768E-44CA-A8D1-1C0E1B22EB09}" type="datetimeFigureOut">
               <a:rPr lang="en-US" smtClean="0"/>
-              <a:t>10/18/2021</a:t>
+              <a:t>10/19/2021</a:t>
             </a:fld>
             <a:endParaRPr lang="en-US"/>
           </a:p>
@@ -1991,7 +1991,7 @@
           <a:p>
             <a:fld id="{9889599D-768E-44CA-A8D1-1C0E1B22EB09}" type="datetimeFigureOut">
               <a:rPr lang="en-US" smtClean="0"/>
-              <a:t>10/18/2021</a:t>
+              <a:t>10/19/2021</a:t>
             </a:fld>
             <a:endParaRPr lang="en-US"/>
           </a:p>
@@ -2268,7 +2268,7 @@
           <a:p>
             <a:fld id="{9889599D-768E-44CA-A8D1-1C0E1B22EB09}" type="datetimeFigureOut">
               <a:rPr lang="en-US" smtClean="0"/>
-              <a:t>10/18/2021</a:t>
+              <a:t>10/19/2021</a:t>
             </a:fld>
             <a:endParaRPr lang="en-US"/>
           </a:p>
@@ -2521,7 +2521,7 @@
           <a:p>
             <a:fld id="{9889599D-768E-44CA-A8D1-1C0E1B22EB09}" type="datetimeFigureOut">
               <a:rPr lang="en-US" smtClean="0"/>
-              <a:t>10/18/2021</a:t>
+              <a:t>10/19/2021</a:t>
             </a:fld>
             <a:endParaRPr lang="en-US"/>
           </a:p>
@@ -2734,7 +2734,7 @@
           <a:p>
             <a:fld id="{9889599D-768E-44CA-A8D1-1C0E1B22EB09}" type="datetimeFigureOut">
               <a:rPr lang="en-US" smtClean="0"/>
-              <a:t>10/18/2021</a:t>
+              <a:t>10/19/2021</a:t>
             </a:fld>
             <a:endParaRPr lang="en-US"/>
           </a:p>
@@ -3820,7 +3820,23 @@
             <a:pPr lvl="1" algn="just"/>
             <a:r>
               <a:rPr lang="en-US" dirty="0" smtClean="0"/>
-              <a:t>Smart Tamky project has two main type of users respective to into two UI microservices:</a:t>
+              <a:t>Smart Tamky project has two main type of users </a:t>
+            </a:r>
+            <a:r>
+              <a:rPr lang="en-US" dirty="0"/>
+              <a:t>corresponding to </a:t>
+            </a:r>
+            <a:r>
+              <a:rPr lang="en-US" dirty="0" smtClean="0"/>
+              <a:t>two types of UI </a:t>
+            </a:r>
+            <a:r>
+              <a:rPr lang="en-US" dirty="0" smtClean="0"/>
+              <a:t>microservices</a:t>
+            </a:r>
+            <a:r>
+              <a:rPr lang="en-US" dirty="0" smtClean="0"/>
+              <a:t>:</a:t>
             </a:r>
           </a:p>
           <a:p>
